--- a/presentations/obama/SlideSpeech-Introduction.pptx
+++ b/presentations/obama/SlideSpeech-Introduction.pptx
@@ -261,7 +261,7 @@
           <a:p>
             <a:fld id="{A3CFC320-6885-C143-88B8-B9223F660966}" type="datetimeFigureOut">
               <a:rPr lang="en-US" smtClean="0"/>
-              <a:t>1/25/25</a:t>
+              <a:t>1/26/25</a:t>
             </a:fld>
             <a:endParaRPr lang="en-US"/>
           </a:p>
@@ -459,7 +459,7 @@
           <a:p>
             <a:fld id="{A3CFC320-6885-C143-88B8-B9223F660966}" type="datetimeFigureOut">
               <a:rPr lang="en-US" smtClean="0"/>
-              <a:t>1/25/25</a:t>
+              <a:t>1/26/25</a:t>
             </a:fld>
             <a:endParaRPr lang="en-US"/>
           </a:p>
@@ -667,7 +667,7 @@
           <a:p>
             <a:fld id="{A3CFC320-6885-C143-88B8-B9223F660966}" type="datetimeFigureOut">
               <a:rPr lang="en-US" smtClean="0"/>
-              <a:t>1/25/25</a:t>
+              <a:t>1/26/25</a:t>
             </a:fld>
             <a:endParaRPr lang="en-US"/>
           </a:p>
@@ -865,7 +865,7 @@
           <a:p>
             <a:fld id="{A3CFC320-6885-C143-88B8-B9223F660966}" type="datetimeFigureOut">
               <a:rPr lang="en-US" smtClean="0"/>
-              <a:t>1/25/25</a:t>
+              <a:t>1/26/25</a:t>
             </a:fld>
             <a:endParaRPr lang="en-US"/>
           </a:p>
@@ -1140,7 +1140,7 @@
           <a:p>
             <a:fld id="{A3CFC320-6885-C143-88B8-B9223F660966}" type="datetimeFigureOut">
               <a:rPr lang="en-US" smtClean="0"/>
-              <a:t>1/25/25</a:t>
+              <a:t>1/26/25</a:t>
             </a:fld>
             <a:endParaRPr lang="en-US"/>
           </a:p>
@@ -1405,7 +1405,7 @@
           <a:p>
             <a:fld id="{A3CFC320-6885-C143-88B8-B9223F660966}" type="datetimeFigureOut">
               <a:rPr lang="en-US" smtClean="0"/>
-              <a:t>1/25/25</a:t>
+              <a:t>1/26/25</a:t>
             </a:fld>
             <a:endParaRPr lang="en-US"/>
           </a:p>
@@ -1817,7 +1817,7 @@
           <a:p>
             <a:fld id="{A3CFC320-6885-C143-88B8-B9223F660966}" type="datetimeFigureOut">
               <a:rPr lang="en-US" smtClean="0"/>
-              <a:t>1/25/25</a:t>
+              <a:t>1/26/25</a:t>
             </a:fld>
             <a:endParaRPr lang="en-US"/>
           </a:p>
@@ -1958,7 +1958,7 @@
           <a:p>
             <a:fld id="{A3CFC320-6885-C143-88B8-B9223F660966}" type="datetimeFigureOut">
               <a:rPr lang="en-US" smtClean="0"/>
-              <a:t>1/25/25</a:t>
+              <a:t>1/26/25</a:t>
             </a:fld>
             <a:endParaRPr lang="en-US"/>
           </a:p>
@@ -2071,7 +2071,7 @@
           <a:p>
             <a:fld id="{A3CFC320-6885-C143-88B8-B9223F660966}" type="datetimeFigureOut">
               <a:rPr lang="en-US" smtClean="0"/>
-              <a:t>1/25/25</a:t>
+              <a:t>1/26/25</a:t>
             </a:fld>
             <a:endParaRPr lang="en-US"/>
           </a:p>
@@ -2382,7 +2382,7 @@
           <a:p>
             <a:fld id="{A3CFC320-6885-C143-88B8-B9223F660966}" type="datetimeFigureOut">
               <a:rPr lang="en-US" smtClean="0"/>
-              <a:t>1/25/25</a:t>
+              <a:t>1/26/25</a:t>
             </a:fld>
             <a:endParaRPr lang="en-US"/>
           </a:p>
@@ -2670,7 +2670,7 @@
           <a:p>
             <a:fld id="{A3CFC320-6885-C143-88B8-B9223F660966}" type="datetimeFigureOut">
               <a:rPr lang="en-US" smtClean="0"/>
-              <a:t>1/25/25</a:t>
+              <a:t>1/26/25</a:t>
             </a:fld>
             <a:endParaRPr lang="en-US"/>
           </a:p>
@@ -2911,7 +2911,7 @@
           <a:p>
             <a:fld id="{A3CFC320-6885-C143-88B8-B9223F660966}" type="datetimeFigureOut">
               <a:rPr lang="en-US" smtClean="0"/>
-              <a:t>1/25/25</a:t>
+              <a:t>1/26/25</a:t>
             </a:fld>
             <a:endParaRPr lang="en-US"/>
           </a:p>
@@ -3387,19 +3387,23 @@
           <a:p>
             <a:r>
               <a:rPr lang="en-US" dirty="0"/>
-              <a:t>A Python script to automate presentations.</a:t>
+              <a:t>A tool to automate presentations.</a:t>
             </a:r>
           </a:p>
           <a:p>
             <a:r>
               <a:rPr lang="en-US" dirty="0"/>
-              <a:t>Works with PDF and PPTX formats.</a:t>
-            </a:r>
-          </a:p>
-          <a:p>
+              <a:t>Currently works with PDF and PPTX formats.</a:t>
+            </a:r>
+          </a:p>
+          <a:p>
+            <a:r>
+              <a:rPr lang="en-US"/>
+              <a:t>Matches audio and </a:t>
+            </a:r>
             <a:r>
               <a:rPr lang="en-US" dirty="0"/>
-              <a:t>Plays audio for each slide and auto-advances.</a:t>
+              <a:t>slide and auto-advances.</a:t>
             </a:r>
           </a:p>
           <a:p>
